--- a/3course1semestr/Business_process_modeling/Prakt14/СидоровСД_ИКБО_20_21_Практическая14.pptx
+++ b/3course1semestr/Business_process_modeling/Prakt14/СидоровСД_ИКБО_20_21_Практическая14.pptx
@@ -4484,7 +4484,7 @@
       </p:sp>
       <p:pic>
         <p:nvPicPr>
-          <p:cNvPr id="4" name="Content Placeholder 3"/>
+          <p:cNvPr id="3" name="Content Placeholder 2"/>
           <p:cNvPicPr>
             <a:picLocks noChangeAspect="1"/>
           </p:cNvPicPr>
@@ -4500,8 +4500,8 @@
         </p:blipFill>
         <p:spPr>
           <a:xfrm>
-            <a:off x="194945" y="524510"/>
-            <a:ext cx="11802110" cy="4573905"/>
+            <a:off x="838200" y="1962785"/>
+            <a:ext cx="10515600" cy="4076065"/>
           </a:xfrm>
           <a:prstGeom prst="rect">
             <a:avLst/>
@@ -4628,7 +4628,7 @@
       </p:sp>
       <p:pic>
         <p:nvPicPr>
-          <p:cNvPr id="7" name="Content Placeholder 6"/>
+          <p:cNvPr id="3" name="Content Placeholder 2"/>
           <p:cNvPicPr>
             <a:picLocks noChangeAspect="1"/>
           </p:cNvPicPr>
@@ -4644,8 +4644,8 @@
         </p:blipFill>
         <p:spPr>
           <a:xfrm>
-            <a:off x="1003300" y="1692275"/>
-            <a:ext cx="10515600" cy="3472815"/>
+            <a:off x="838200" y="2277745"/>
+            <a:ext cx="10515600" cy="3446145"/>
           </a:xfrm>
           <a:prstGeom prst="rect">
             <a:avLst/>
